--- a/UI Prototypes.pptx
+++ b/UI Prototypes.pptx
@@ -108,6 +108,11 @@
       </a:defRPr>
     </a:lvl9pPr>
   </p:defaultTextStyle>
+  <p:extLst>
+    <p:ext uri="{EFAFB233-063F-42B5-8137-9DF3F51BA10A}">
+      <p15:sldGuideLst xmlns:p15="http://schemas.microsoft.com/office/powerpoint/2012/main"/>
+    </p:ext>
+  </p:extLst>
 </p:presentation>
 </file>
 
@@ -8376,8 +8381,8 @@
           </a:p>
         </p:txBody>
       </p:sp>
-      <mc:AlternateContent xmlns:mc="http://schemas.openxmlformats.org/markup-compatibility/2006">
-        <mc:Choice xmlns:p14="http://schemas.microsoft.com/office/powerpoint/2010/main" Requires="p14">
+      <mc:AlternateContent xmlns:mc="http://schemas.openxmlformats.org/markup-compatibility/2006" xmlns:p14="http://schemas.microsoft.com/office/powerpoint/2010/main">
+        <mc:Choice Requires="p14">
           <p:contentPart p14:bwMode="auto" r:id="rId2">
             <p14:nvContentPartPr>
               <p14:cNvPr id="26" name="Ink 25">
@@ -8396,7 +8401,7 @@
             </p14:xfrm>
           </p:contentPart>
         </mc:Choice>
-        <mc:Fallback>
+        <mc:Fallback xmlns="">
           <p:pic>
             <p:nvPicPr>
               <p:cNvPr id="26" name="Ink 25">
@@ -8427,8 +8432,8 @@
           </p:pic>
         </mc:Fallback>
       </mc:AlternateContent>
-      <mc:AlternateContent xmlns:mc="http://schemas.openxmlformats.org/markup-compatibility/2006">
-        <mc:Choice xmlns:p14="http://schemas.microsoft.com/office/powerpoint/2010/main" Requires="p14">
+      <mc:AlternateContent xmlns:mc="http://schemas.openxmlformats.org/markup-compatibility/2006" xmlns:p14="http://schemas.microsoft.com/office/powerpoint/2010/main">
+        <mc:Choice Requires="p14">
           <p:contentPart p14:bwMode="auto" r:id="rId4">
             <p14:nvContentPartPr>
               <p14:cNvPr id="37" name="Ink 36">
@@ -8447,7 +8452,7 @@
             </p14:xfrm>
           </p:contentPart>
         </mc:Choice>
-        <mc:Fallback>
+        <mc:Fallback xmlns="">
           <p:pic>
             <p:nvPicPr>
               <p:cNvPr id="37" name="Ink 36">
@@ -9352,14 +9357,14 @@
           <p:nvPr>
             <p:extLst>
               <p:ext uri="{D42A27DB-BD31-4B8C-83A1-F6EECF244321}">
-                <p14:modId xmlns:p14="http://schemas.microsoft.com/office/powerpoint/2010/main" val="2564348783"/>
+                <p14:modId xmlns:p14="http://schemas.microsoft.com/office/powerpoint/2010/main" val="1978372941"/>
               </p:ext>
             </p:extLst>
           </p:nvPr>
         </p:nvGraphicFramePr>
         <p:xfrm>
-          <a:off x="3758453" y="3530316"/>
-          <a:ext cx="6493433" cy="731520"/>
+          <a:off x="3363310" y="3544061"/>
+          <a:ext cx="7583213" cy="670560"/>
         </p:xfrm>
         <a:graphic>
           <a:graphicData uri="http://schemas.openxmlformats.org/drawingml/2006/table">
@@ -9368,31 +9373,38 @@
                 <a:tableStyleId>{5C22544A-7EE6-4342-B048-85BDC9FD1C3A}</a:tableStyleId>
               </a:tblPr>
               <a:tblGrid>
-                <a:gridCol w="2027528">
+                <a:gridCol w="1882807">
                   <a:extLst>
                     <a:ext uri="{9D8B030D-6E8A-4147-A177-3AD203B41FA5}">
                       <a16:colId xmlns:a16="http://schemas.microsoft.com/office/drawing/2014/main" val="556389192"/>
                     </a:ext>
                   </a:extLst>
                 </a:gridCol>
-                <a:gridCol w="1219189">
+                <a:gridCol w="1132165">
                   <a:extLst>
                     <a:ext uri="{9D8B030D-6E8A-4147-A177-3AD203B41FA5}">
                       <a16:colId xmlns:a16="http://schemas.microsoft.com/office/drawing/2014/main" val="3912181672"/>
                     </a:ext>
                   </a:extLst>
                 </a:gridCol>
-                <a:gridCol w="1574054">
+                <a:gridCol w="1461701">
                   <a:extLst>
                     <a:ext uri="{9D8B030D-6E8A-4147-A177-3AD203B41FA5}">
                       <a16:colId xmlns:a16="http://schemas.microsoft.com/office/drawing/2014/main" val="1978353106"/>
                     </a:ext>
                   </a:extLst>
                 </a:gridCol>
-                <a:gridCol w="1672662">
+                <a:gridCol w="1553270">
                   <a:extLst>
                     <a:ext uri="{9D8B030D-6E8A-4147-A177-3AD203B41FA5}">
                       <a16:colId xmlns:a16="http://schemas.microsoft.com/office/drawing/2014/main" val="1530916936"/>
+                    </a:ext>
+                  </a:extLst>
+                </a:gridCol>
+                <a:gridCol w="1553270">
+                  <a:extLst>
+                    <a:ext uri="{9D8B030D-6E8A-4147-A177-3AD203B41FA5}">
+                      <a16:colId xmlns:a16="http://schemas.microsoft.com/office/drawing/2014/main" val="1528737708"/>
                     </a:ext>
                   </a:extLst>
                 </a:gridCol>
@@ -9404,7 +9416,7 @@
                     <a:lstStyle/>
                     <a:p>
                       <a:r>
-                        <a:rPr lang="en-US" b="0" dirty="0">
+                        <a:rPr lang="en-US" sz="1600" b="0" dirty="0">
                           <a:solidFill>
                             <a:schemeClr val="tx1">
                               <a:lumMod val="95000"/>
@@ -9412,7 +9424,7 @@
                             </a:schemeClr>
                           </a:solidFill>
                         </a:rPr>
-                        <a:t>Book1</a:t>
+                        <a:t>Book1    </a:t>
                       </a:r>
                     </a:p>
                   </a:txBody>
@@ -9428,7 +9440,7 @@
                     <a:lstStyle/>
                     <a:p>
                       <a:r>
-                        <a:rPr lang="en-US" b="0" dirty="0">
+                        <a:rPr lang="en-US" sz="1600" b="0" dirty="0">
                           <a:solidFill>
                             <a:schemeClr val="tx1">
                               <a:lumMod val="95000"/>
@@ -9452,7 +9464,7 @@
                     <a:lstStyle/>
                     <a:p>
                       <a:r>
-                        <a:rPr lang="en-US" dirty="0">
+                        <a:rPr lang="en-US" sz="1600" dirty="0">
                           <a:solidFill>
                             <a:schemeClr val="tx1">
                               <a:lumMod val="95000"/>
@@ -9463,7 +9475,7 @@
                         <a:t>       </a:t>
                       </a:r>
                       <a:r>
-                        <a:rPr lang="en-US" b="0" dirty="0">
+                        <a:rPr lang="en-US" sz="1600" b="0" dirty="0">
                           <a:solidFill>
                             <a:schemeClr val="tx1">
                               <a:lumMod val="95000"/>
@@ -9487,7 +9499,7 @@
                     <a:lstStyle/>
                     <a:p>
                       <a:r>
-                        <a:rPr lang="en-US" b="0" dirty="0">
+                        <a:rPr lang="en-US" sz="1600" b="0" dirty="0">
                           <a:solidFill>
                             <a:schemeClr val="tx1">
                               <a:lumMod val="95000"/>
@@ -9496,6 +9508,30 @@
                           </a:solidFill>
                         </a:rPr>
                         <a:t>      Edit</a:t>
+                      </a:r>
+                    </a:p>
+                  </a:txBody>
+                  <a:tcPr>
+                    <a:solidFill>
+                      <a:schemeClr val="bg2"/>
+                    </a:solidFill>
+                  </a:tcPr>
+                </a:tc>
+                <a:tc>
+                  <a:txBody>
+                    <a:bodyPr/>
+                    <a:lstStyle/>
+                    <a:p>
+                      <a:r>
+                        <a:rPr lang="en-US" sz="1600" b="0" dirty="0">
+                          <a:solidFill>
+                            <a:schemeClr val="tx1">
+                              <a:lumMod val="95000"/>
+                              <a:lumOff val="5000"/>
+                            </a:schemeClr>
+                          </a:solidFill>
+                        </a:rPr>
+                        <a:t>     Delete</a:t>
                       </a:r>
                     </a:p>
                   </a:txBody>
@@ -9518,7 +9554,7 @@
                     <a:lstStyle/>
                     <a:p>
                       <a:r>
-                        <a:rPr lang="en-US" b="0" dirty="0">
+                        <a:rPr lang="en-US" sz="1600" b="0" dirty="0">
                           <a:solidFill>
                             <a:schemeClr val="tx1">
                               <a:lumMod val="95000"/>
@@ -9542,7 +9578,7 @@
                     <a:lstStyle/>
                     <a:p>
                       <a:r>
-                        <a:rPr lang="en-US" b="0" dirty="0">
+                        <a:rPr lang="en-US" sz="1600" b="0" dirty="0">
                           <a:solidFill>
                             <a:schemeClr val="tx1">
                               <a:lumMod val="95000"/>
@@ -9566,7 +9602,7 @@
                     <a:lstStyle/>
                     <a:p>
                       <a:r>
-                        <a:rPr lang="en-US" b="0" dirty="0">
+                        <a:rPr lang="en-US" sz="1600" b="0" dirty="0">
                           <a:solidFill>
                             <a:schemeClr val="tx1">
                               <a:lumMod val="95000"/>
@@ -9576,7 +9612,7 @@
                         </a:rPr>
                         <a:t>       Availability</a:t>
                       </a:r>
-                      <a:endParaRPr lang="en-US" dirty="0">
+                      <a:endParaRPr lang="en-US" sz="1600" dirty="0">
                         <a:solidFill>
                           <a:schemeClr val="tx1">
                             <a:lumMod val="95000"/>
@@ -9598,7 +9634,7 @@
                     <a:lstStyle/>
                     <a:p>
                       <a:r>
-                        <a:rPr lang="en-US" b="0" dirty="0">
+                        <a:rPr lang="en-US" sz="1600" b="0" dirty="0">
                           <a:solidFill>
                             <a:schemeClr val="tx1">
                               <a:lumMod val="95000"/>
@@ -9607,6 +9643,30 @@
                           </a:solidFill>
                         </a:rPr>
                         <a:t>      Edit</a:t>
+                      </a:r>
+                    </a:p>
+                  </a:txBody>
+                  <a:tcPr>
+                    <a:solidFill>
+                      <a:schemeClr val="bg2"/>
+                    </a:solidFill>
+                  </a:tcPr>
+                </a:tc>
+                <a:tc>
+                  <a:txBody>
+                    <a:bodyPr/>
+                    <a:lstStyle/>
+                    <a:p>
+                      <a:r>
+                        <a:rPr lang="en-US" sz="1600" b="0" dirty="0">
+                          <a:solidFill>
+                            <a:schemeClr val="tx1">
+                              <a:lumMod val="95000"/>
+                              <a:lumOff val="5000"/>
+                            </a:schemeClr>
+                          </a:solidFill>
+                        </a:rPr>
+                        <a:t>     Delete</a:t>
                       </a:r>
                     </a:p>
                   </a:txBody>
@@ -9657,7 +9717,7 @@
         </p:blipFill>
         <p:spPr>
           <a:xfrm>
-            <a:off x="7054476" y="3588286"/>
+            <a:off x="6439162" y="3557806"/>
             <a:ext cx="307790" cy="307790"/>
           </a:xfrm>
           <a:prstGeom prst="rect">
@@ -9696,7 +9756,7 @@
         </p:blipFill>
         <p:spPr>
           <a:xfrm>
-            <a:off x="7054476" y="3963311"/>
+            <a:off x="6439162" y="3879341"/>
             <a:ext cx="307790" cy="307790"/>
           </a:xfrm>
           <a:prstGeom prst="rect">
@@ -9822,7 +9882,7 @@
         </p:blipFill>
         <p:spPr>
           <a:xfrm>
-            <a:off x="8573990" y="3588285"/>
+            <a:off x="7854031" y="3557805"/>
             <a:ext cx="307791" cy="307791"/>
           </a:xfrm>
           <a:prstGeom prst="rect">
@@ -9861,8 +9921,86 @@
         </p:blipFill>
         <p:spPr>
           <a:xfrm>
-            <a:off x="8573989" y="3938827"/>
+            <a:off x="7874094" y="3880222"/>
             <a:ext cx="307791" cy="307791"/>
+          </a:xfrm>
+          <a:prstGeom prst="rect">
+            <a:avLst/>
+          </a:prstGeom>
+        </p:spPr>
+      </p:pic>
+      <p:pic>
+        <p:nvPicPr>
+          <p:cNvPr id="4" name="Graphic 3" descr="Garbage outline">
+            <a:extLst>
+              <a:ext uri="{FF2B5EF4-FFF2-40B4-BE49-F238E27FC236}">
+                <a16:creationId xmlns:a16="http://schemas.microsoft.com/office/drawing/2014/main" id="{BB9DC6C0-29FA-4FBC-BC24-8A7226EAE53B}"/>
+              </a:ext>
+            </a:extLst>
+          </p:cNvPr>
+          <p:cNvPicPr>
+            <a:picLocks noChangeAspect="1"/>
+          </p:cNvPicPr>
+          <p:nvPr/>
+        </p:nvPicPr>
+        <p:blipFill>
+          <a:blip r:embed="rId9">
+            <a:extLst>
+              <a:ext uri="{28A0092B-C50C-407E-A947-70E740481C1C}">
+                <a14:useLocalDpi xmlns:a14="http://schemas.microsoft.com/office/drawing/2010/main" val="0"/>
+              </a:ext>
+              <a:ext uri="{96DAC541-7B7A-43D3-8B79-37D633B846F1}">
+                <asvg:svgBlip xmlns:asvg="http://schemas.microsoft.com/office/drawing/2016/SVG/main" r:embed="rId10"/>
+              </a:ext>
+            </a:extLst>
+          </a:blip>
+          <a:stretch>
+            <a:fillRect/>
+          </a:stretch>
+        </p:blipFill>
+        <p:spPr>
+          <a:xfrm>
+            <a:off x="9427058" y="3577484"/>
+            <a:ext cx="268432" cy="268432"/>
+          </a:xfrm>
+          <a:prstGeom prst="rect">
+            <a:avLst/>
+          </a:prstGeom>
+        </p:spPr>
+      </p:pic>
+      <p:pic>
+        <p:nvPicPr>
+          <p:cNvPr id="16" name="Graphic 15" descr="Garbage outline">
+            <a:extLst>
+              <a:ext uri="{FF2B5EF4-FFF2-40B4-BE49-F238E27FC236}">
+                <a16:creationId xmlns:a16="http://schemas.microsoft.com/office/drawing/2014/main" id="{79EF5534-976D-4248-A10B-A04E280FD128}"/>
+              </a:ext>
+            </a:extLst>
+          </p:cNvPr>
+          <p:cNvPicPr>
+            <a:picLocks noChangeAspect="1"/>
+          </p:cNvPicPr>
+          <p:nvPr/>
+        </p:nvPicPr>
+        <p:blipFill>
+          <a:blip r:embed="rId9">
+            <a:extLst>
+              <a:ext uri="{28A0092B-C50C-407E-A947-70E740481C1C}">
+                <a14:useLocalDpi xmlns:a14="http://schemas.microsoft.com/office/drawing/2010/main" val="0"/>
+              </a:ext>
+              <a:ext uri="{96DAC541-7B7A-43D3-8B79-37D633B846F1}">
+                <asvg:svgBlip xmlns:asvg="http://schemas.microsoft.com/office/drawing/2016/SVG/main" r:embed="rId10"/>
+              </a:ext>
+            </a:extLst>
+          </a:blip>
+          <a:stretch>
+            <a:fillRect/>
+          </a:stretch>
+        </p:blipFill>
+        <p:spPr>
+          <a:xfrm>
+            <a:off x="9447870" y="3899020"/>
+            <a:ext cx="268432" cy="268432"/>
           </a:xfrm>
           <a:prstGeom prst="rect">
             <a:avLst/>
